--- a/_posts/powering-the-cross-platform-economy-with-javascript/images/images.pptx
+++ b/_posts/powering-the-cross-platform-economy-with-javascript/images/images.pptx
@@ -212,7 +212,7 @@
           <a:p>
             <a:fld id="{62924530-CF84-1B40-843A-DCBB2D2C09C6}" type="datetimeFigureOut">
               <a:rPr lang="en-US" smtClean="0"/>
-              <a:t>6/9/17</a:t>
+              <a:t>6/21/17</a:t>
             </a:fld>
             <a:endParaRPr lang="en-US" dirty="0"/>
           </a:p>
@@ -661,7 +661,7 @@
           <a:p>
             <a:fld id="{32612CC4-9DB0-CC43-B1FC-8D75BA765907}" type="datetimeFigureOut">
               <a:rPr lang="en-US" smtClean="0"/>
-              <a:t>6/9/17</a:t>
+              <a:t>6/21/17</a:t>
             </a:fld>
             <a:endParaRPr lang="en-US" dirty="0"/>
           </a:p>
@@ -831,7 +831,7 @@
           <a:p>
             <a:fld id="{32612CC4-9DB0-CC43-B1FC-8D75BA765907}" type="datetimeFigureOut">
               <a:rPr lang="en-US" smtClean="0"/>
-              <a:t>6/9/17</a:t>
+              <a:t>6/21/17</a:t>
             </a:fld>
             <a:endParaRPr lang="en-US" dirty="0"/>
           </a:p>
@@ -1011,7 +1011,7 @@
           <a:p>
             <a:fld id="{32612CC4-9DB0-CC43-B1FC-8D75BA765907}" type="datetimeFigureOut">
               <a:rPr lang="en-US" smtClean="0"/>
-              <a:t>6/9/17</a:t>
+              <a:t>6/21/17</a:t>
             </a:fld>
             <a:endParaRPr lang="en-US" dirty="0"/>
           </a:p>
@@ -1181,7 +1181,7 @@
           <a:p>
             <a:fld id="{32612CC4-9DB0-CC43-B1FC-8D75BA765907}" type="datetimeFigureOut">
               <a:rPr lang="en-US" smtClean="0"/>
-              <a:t>6/9/17</a:t>
+              <a:t>6/21/17</a:t>
             </a:fld>
             <a:endParaRPr lang="en-US" dirty="0"/>
           </a:p>
@@ -1427,7 +1427,7 @@
           <a:p>
             <a:fld id="{32612CC4-9DB0-CC43-B1FC-8D75BA765907}" type="datetimeFigureOut">
               <a:rPr lang="en-US" smtClean="0"/>
-              <a:t>6/9/17</a:t>
+              <a:t>6/21/17</a:t>
             </a:fld>
             <a:endParaRPr lang="en-US" dirty="0"/>
           </a:p>
@@ -1715,7 +1715,7 @@
           <a:p>
             <a:fld id="{32612CC4-9DB0-CC43-B1FC-8D75BA765907}" type="datetimeFigureOut">
               <a:rPr lang="en-US" smtClean="0"/>
-              <a:t>6/9/17</a:t>
+              <a:t>6/21/17</a:t>
             </a:fld>
             <a:endParaRPr lang="en-US" dirty="0"/>
           </a:p>
@@ -2137,7 +2137,7 @@
           <a:p>
             <a:fld id="{32612CC4-9DB0-CC43-B1FC-8D75BA765907}" type="datetimeFigureOut">
               <a:rPr lang="en-US" smtClean="0"/>
-              <a:t>6/9/17</a:t>
+              <a:t>6/21/17</a:t>
             </a:fld>
             <a:endParaRPr lang="en-US" dirty="0"/>
           </a:p>
@@ -2255,7 +2255,7 @@
           <a:p>
             <a:fld id="{32612CC4-9DB0-CC43-B1FC-8D75BA765907}" type="datetimeFigureOut">
               <a:rPr lang="en-US" smtClean="0"/>
-              <a:t>6/9/17</a:t>
+              <a:t>6/21/17</a:t>
             </a:fld>
             <a:endParaRPr lang="en-US" dirty="0"/>
           </a:p>
@@ -2350,7 +2350,7 @@
           <a:p>
             <a:fld id="{32612CC4-9DB0-CC43-B1FC-8D75BA765907}" type="datetimeFigureOut">
               <a:rPr lang="en-US" smtClean="0"/>
-              <a:t>6/9/17</a:t>
+              <a:t>6/21/17</a:t>
             </a:fld>
             <a:endParaRPr lang="en-US" dirty="0"/>
           </a:p>
@@ -2627,7 +2627,7 @@
           <a:p>
             <a:fld id="{32612CC4-9DB0-CC43-B1FC-8D75BA765907}" type="datetimeFigureOut">
               <a:rPr lang="en-US" smtClean="0"/>
-              <a:t>6/9/17</a:t>
+              <a:t>6/21/17</a:t>
             </a:fld>
             <a:endParaRPr lang="en-US" dirty="0"/>
           </a:p>
@@ -2880,7 +2880,7 @@
           <a:p>
             <a:fld id="{32612CC4-9DB0-CC43-B1FC-8D75BA765907}" type="datetimeFigureOut">
               <a:rPr lang="en-US" smtClean="0"/>
-              <a:t>6/9/17</a:t>
+              <a:t>6/21/17</a:t>
             </a:fld>
             <a:endParaRPr lang="en-US" dirty="0"/>
           </a:p>
@@ -3093,7 +3093,7 @@
           <a:p>
             <a:fld id="{32612CC4-9DB0-CC43-B1FC-8D75BA765907}" type="datetimeFigureOut">
               <a:rPr lang="en-US" smtClean="0"/>
-              <a:t>6/9/17</a:t>
+              <a:t>6/21/17</a:t>
             </a:fld>
             <a:endParaRPr lang="en-US" dirty="0"/>
           </a:p>
@@ -4928,6 +4928,42 @@
           </a:p>
         </p:txBody>
       </p:sp>
+      <p:sp>
+        <p:nvSpPr>
+          <p:cNvPr id="2" name="TextBox 1"/>
+          <p:cNvSpPr txBox="1"/>
+          <p:nvPr/>
+        </p:nvSpPr>
+        <p:spPr>
+          <a:xfrm>
+            <a:off x="708660" y="4895461"/>
+            <a:ext cx="2228850" cy="369332"/>
+          </a:xfrm>
+          <a:prstGeom prst="rect">
+            <a:avLst/>
+          </a:prstGeom>
+          <a:noFill/>
+        </p:spPr>
+        <p:txBody>
+          <a:bodyPr wrap="square" rtlCol="0">
+            <a:spAutoFit/>
+          </a:bodyPr>
+          <a:lstStyle/>
+          <a:p>
+            <a:r>
+              <a:rPr lang="en-US" dirty="0" smtClean="0"/>
+              <a:t>Time </a:t>
+            </a:r>
+            <a:r>
+              <a:rPr lang="en-US" dirty="0" smtClean="0">
+                <a:sym typeface="Wingdings"/>
+              </a:rPr>
+              <a:t></a:t>
+            </a:r>
+            <a:endParaRPr lang="en-US" dirty="0"/>
+          </a:p>
+        </p:txBody>
+      </p:sp>
     </p:spTree>
     <p:extLst>
       <p:ext uri="{BB962C8B-B14F-4D97-AF65-F5344CB8AC3E}">
@@ -5012,15 +5048,7 @@
                   <a:schemeClr val="bg1"/>
                 </a:solidFill>
               </a:rPr>
-              <a:t>Order Processing </a:t>
-            </a:r>
-            <a:r>
-              <a:rPr lang="en-US" sz="1600" dirty="0" smtClean="0">
-                <a:solidFill>
-                  <a:schemeClr val="bg1"/>
-                </a:solidFill>
-              </a:rPr>
-              <a:t>Objects </a:t>
+              <a:t>Order Processing Objects </a:t>
             </a:r>
           </a:p>
           <a:p>
@@ -5086,19 +5114,7 @@
             <a:pPr algn="ctr"/>
             <a:r>
               <a:rPr lang="en-US" i="1" dirty="0" smtClean="0"/>
-              <a:t>React Native Order </a:t>
-            </a:r>
-            <a:r>
-              <a:rPr lang="en-US" i="1" dirty="0" smtClean="0"/>
-              <a:t>Viewing </a:t>
-            </a:r>
-            <a:r>
-              <a:rPr lang="en-US" i="1" dirty="0" smtClean="0"/>
-              <a:t>Mobile </a:t>
-            </a:r>
-            <a:r>
-              <a:rPr lang="en-US" i="1" dirty="0" smtClean="0"/>
-              <a:t>App</a:t>
+              <a:t>React Native Order Viewing Mobile App</a:t>
             </a:r>
             <a:endParaRPr lang="en-US" dirty="0">
               <a:solidFill>
@@ -5153,11 +5169,7 @@
             <a:pPr algn="ctr"/>
             <a:r>
               <a:rPr lang="en-US" i="1" dirty="0" smtClean="0"/>
-              <a:t>Angular Order Creation </a:t>
-            </a:r>
-            <a:r>
-              <a:rPr lang="en-US" i="1" dirty="0" smtClean="0"/>
-              <a:t>Web App</a:t>
+              <a:t>Angular Order Creation Web App</a:t>
             </a:r>
             <a:endParaRPr lang="en-US" dirty="0">
               <a:solidFill>
@@ -5267,11 +5279,7 @@
             <a:pPr algn="ctr"/>
             <a:r>
               <a:rPr lang="en-US" i="1" dirty="0" smtClean="0"/>
-              <a:t>Node.Js Order Tracking </a:t>
-            </a:r>
-            <a:r>
-              <a:rPr lang="en-US" i="1" dirty="0" smtClean="0"/>
-              <a:t>Microservice App</a:t>
+              <a:t>Node.Js Order Tracking Microservice App</a:t>
             </a:r>
             <a:endParaRPr lang="en-US" dirty="0">
               <a:solidFill>
@@ -5328,15 +5336,7 @@
                   <a:schemeClr val="bg1"/>
                 </a:solidFill>
               </a:rPr>
-              <a:t>Order </a:t>
-            </a:r>
-            <a:r>
-              <a:rPr lang="en-US" sz="1600" dirty="0" smtClean="0">
-                <a:solidFill>
-                  <a:schemeClr val="bg1"/>
-                </a:solidFill>
-              </a:rPr>
-              <a:t>Viewing Objects</a:t>
+              <a:t>Order Viewing Objects</a:t>
             </a:r>
           </a:p>
           <a:p>
